--- a/Mohamed Elgindy Task Solution snippets.pptx
+++ b/Mohamed Elgindy Task Solution snippets.pptx
@@ -7,22 +7,23 @@
   <p:sldIdLst>
     <p:sldId id="256" r:id="rId2"/>
     <p:sldId id="257" r:id="rId3"/>
-    <p:sldId id="282" r:id="rId4"/>
-    <p:sldId id="258" r:id="rId5"/>
-    <p:sldId id="296" r:id="rId6"/>
-    <p:sldId id="295" r:id="rId7"/>
-    <p:sldId id="284" r:id="rId8"/>
-    <p:sldId id="283" r:id="rId9"/>
-    <p:sldId id="285" r:id="rId10"/>
-    <p:sldId id="286" r:id="rId11"/>
-    <p:sldId id="287" r:id="rId12"/>
-    <p:sldId id="288" r:id="rId13"/>
-    <p:sldId id="291" r:id="rId14"/>
-    <p:sldId id="293" r:id="rId15"/>
-    <p:sldId id="292" r:id="rId16"/>
-    <p:sldId id="294" r:id="rId17"/>
-    <p:sldId id="289" r:id="rId18"/>
-    <p:sldId id="281" r:id="rId19"/>
+    <p:sldId id="297" r:id="rId4"/>
+    <p:sldId id="282" r:id="rId5"/>
+    <p:sldId id="258" r:id="rId6"/>
+    <p:sldId id="296" r:id="rId7"/>
+    <p:sldId id="295" r:id="rId8"/>
+    <p:sldId id="284" r:id="rId9"/>
+    <p:sldId id="283" r:id="rId10"/>
+    <p:sldId id="285" r:id="rId11"/>
+    <p:sldId id="286" r:id="rId12"/>
+    <p:sldId id="287" r:id="rId13"/>
+    <p:sldId id="288" r:id="rId14"/>
+    <p:sldId id="291" r:id="rId15"/>
+    <p:sldId id="293" r:id="rId16"/>
+    <p:sldId id="292" r:id="rId17"/>
+    <p:sldId id="294" r:id="rId18"/>
+    <p:sldId id="289" r:id="rId19"/>
+    <p:sldId id="281" r:id="rId20"/>
   </p:sldIdLst>
   <p:sldSz cx="12192000" cy="6858000"/>
   <p:notesSz cx="6858000" cy="9144000"/>
@@ -5800,6 +5801,139 @@
         </p:nvSpPr>
         <p:spPr>
           <a:xfrm>
+            <a:off x="844968" y="146115"/>
+            <a:ext cx="10295468" cy="740005"/>
+          </a:xfrm>
+        </p:spPr>
+        <p:txBody>
+          <a:bodyPr/>
+          <a:lstStyle/>
+          <a:p>
+            <a:r>
+              <a:rPr lang="en-US" dirty="0" err="1"/>
+              <a:t>ProjectHelperTest</a:t>
+            </a:r>
+            <a:r>
+              <a:rPr lang="en-US" dirty="0"/>
+              <a:t> class</a:t>
+            </a:r>
+          </a:p>
+        </p:txBody>
+      </p:sp>
+      <p:pic>
+        <p:nvPicPr>
+          <p:cNvPr id="4" name="Picture 3">
+            <a:extLst>
+              <a:ext uri="{FF2B5EF4-FFF2-40B4-BE49-F238E27FC236}">
+                <a16:creationId xmlns:a16="http://schemas.microsoft.com/office/drawing/2014/main" id="{15CCA7A0-79FB-462D-9EFB-00F09C807BCE}"/>
+              </a:ext>
+            </a:extLst>
+          </p:cNvPr>
+          <p:cNvPicPr>
+            <a:picLocks noChangeAspect="1"/>
+          </p:cNvPicPr>
+          <p:nvPr/>
+        </p:nvPicPr>
+        <p:blipFill>
+          <a:blip r:embed="rId2"/>
+          <a:stretch>
+            <a:fillRect/>
+          </a:stretch>
+        </p:blipFill>
+        <p:spPr>
+          <a:xfrm>
+            <a:off x="547965" y="1065229"/>
+            <a:ext cx="10956638" cy="5646656"/>
+          </a:xfrm>
+          <a:prstGeom prst="rect">
+            <a:avLst/>
+          </a:prstGeom>
+        </p:spPr>
+      </p:pic>
+      <p:pic>
+        <p:nvPicPr>
+          <p:cNvPr id="6" name="Picture 5">
+            <a:extLst>
+              <a:ext uri="{FF2B5EF4-FFF2-40B4-BE49-F238E27FC236}">
+                <a16:creationId xmlns:a16="http://schemas.microsoft.com/office/drawing/2014/main" id="{21BBE4B9-1158-4BDF-96CD-C51AC20C50A8}"/>
+              </a:ext>
+            </a:extLst>
+          </p:cNvPr>
+          <p:cNvPicPr>
+            <a:picLocks noChangeAspect="1"/>
+          </p:cNvPicPr>
+          <p:nvPr/>
+        </p:nvPicPr>
+        <p:blipFill>
+          <a:blip r:embed="rId3">
+            <a:extLst>
+              <a:ext uri="{28A0092B-C50C-407E-A947-70E740481C1C}">
+                <a14:useLocalDpi xmlns:a14="http://schemas.microsoft.com/office/drawing/2010/main" val="0"/>
+              </a:ext>
+            </a:extLst>
+          </a:blip>
+          <a:stretch>
+            <a:fillRect/>
+          </a:stretch>
+        </p:blipFill>
+        <p:spPr>
+          <a:xfrm>
+            <a:off x="11140435" y="0"/>
+            <a:ext cx="1024772" cy="1024772"/>
+          </a:xfrm>
+          <a:prstGeom prst="rect">
+            <a:avLst/>
+          </a:prstGeom>
+        </p:spPr>
+      </p:pic>
+    </p:spTree>
+    <p:extLst>
+      <p:ext uri="{BB962C8B-B14F-4D97-AF65-F5344CB8AC3E}">
+        <p14:creationId xmlns:p14="http://schemas.microsoft.com/office/powerpoint/2010/main" val="2299877800"/>
+      </p:ext>
+    </p:extLst>
+  </p:cSld>
+  <p:clrMapOvr>
+    <a:masterClrMapping/>
+  </p:clrMapOvr>
+</p:sld>
+</file>
+
+<file path=ppt/slides/slide11.xml><?xml version="1.0" encoding="utf-8"?>
+<p:sld xmlns:a="http://schemas.openxmlformats.org/drawingml/2006/main" xmlns:r="http://schemas.openxmlformats.org/officeDocument/2006/relationships" xmlns:p="http://schemas.openxmlformats.org/presentationml/2006/main">
+  <p:cSld>
+    <p:spTree>
+      <p:nvGrpSpPr>
+        <p:cNvPr id="1" name=""/>
+        <p:cNvGrpSpPr/>
+        <p:nvPr/>
+      </p:nvGrpSpPr>
+      <p:grpSpPr>
+        <a:xfrm>
+          <a:off x="0" y="0"/>
+          <a:ext cx="0" cy="0"/>
+          <a:chOff x="0" y="0"/>
+          <a:chExt cx="0" cy="0"/>
+        </a:xfrm>
+      </p:grpSpPr>
+      <p:sp>
+        <p:nvSpPr>
+          <p:cNvPr id="2" name="Title 1">
+            <a:extLst>
+              <a:ext uri="{FF2B5EF4-FFF2-40B4-BE49-F238E27FC236}">
+                <a16:creationId xmlns:a16="http://schemas.microsoft.com/office/drawing/2014/main" id="{C3C12B08-E70D-4B39-99FD-F1244CF90630}"/>
+              </a:ext>
+            </a:extLst>
+          </p:cNvPr>
+          <p:cNvSpPr>
+            <a:spLocks noGrp="1"/>
+          </p:cNvSpPr>
+          <p:nvPr>
+            <p:ph type="title"/>
+          </p:nvPr>
+        </p:nvSpPr>
+        <p:spPr>
+          <a:xfrm>
             <a:off x="913795" y="282804"/>
             <a:ext cx="10153273" cy="669303"/>
           </a:xfrm>
@@ -5898,7 +6032,7 @@
 </p:sld>
 </file>
 
-<file path=ppt/slides/slide11.xml><?xml version="1.0" encoding="utf-8"?>
+<file path=ppt/slides/slide12.xml><?xml version="1.0" encoding="utf-8"?>
 <p:sld xmlns:a="http://schemas.openxmlformats.org/drawingml/2006/main" xmlns:r="http://schemas.openxmlformats.org/officeDocument/2006/relationships" xmlns:p="http://schemas.openxmlformats.org/presentationml/2006/main">
   <p:cSld>
     <p:spTree>
@@ -6095,7 +6229,7 @@
 </p:sld>
 </file>
 
-<file path=ppt/slides/slide12.xml><?xml version="1.0" encoding="utf-8"?>
+<file path=ppt/slides/slide13.xml><?xml version="1.0" encoding="utf-8"?>
 <p:sld xmlns:a="http://schemas.openxmlformats.org/drawingml/2006/main" xmlns:r="http://schemas.openxmlformats.org/officeDocument/2006/relationships" xmlns:p="http://schemas.openxmlformats.org/presentationml/2006/main">
   <p:cSld>
     <p:spTree>
@@ -6200,7 +6334,7 @@
 </p:sld>
 </file>
 
-<file path=ppt/slides/slide13.xml><?xml version="1.0" encoding="utf-8"?>
+<file path=ppt/slides/slide14.xml><?xml version="1.0" encoding="utf-8"?>
 <p:sld xmlns:a="http://schemas.openxmlformats.org/drawingml/2006/main" xmlns:r="http://schemas.openxmlformats.org/officeDocument/2006/relationships" xmlns:p="http://schemas.openxmlformats.org/presentationml/2006/main">
   <p:cSld>
     <p:spTree>
@@ -6329,7 +6463,7 @@
 </p:sld>
 </file>
 
-<file path=ppt/slides/slide14.xml><?xml version="1.0" encoding="utf-8"?>
+<file path=ppt/slides/slide15.xml><?xml version="1.0" encoding="utf-8"?>
 <p:sld xmlns:a="http://schemas.openxmlformats.org/drawingml/2006/main" xmlns:r="http://schemas.openxmlformats.org/officeDocument/2006/relationships" xmlns:p="http://schemas.openxmlformats.org/presentationml/2006/main">
   <p:cSld>
     <p:spTree>
@@ -6462,7 +6596,7 @@
 </p:sld>
 </file>
 
-<file path=ppt/slides/slide15.xml><?xml version="1.0" encoding="utf-8"?>
+<file path=ppt/slides/slide16.xml><?xml version="1.0" encoding="utf-8"?>
 <p:sld xmlns:a="http://schemas.openxmlformats.org/drawingml/2006/main" xmlns:r="http://schemas.openxmlformats.org/officeDocument/2006/relationships" xmlns:p="http://schemas.openxmlformats.org/presentationml/2006/main">
   <p:cSld>
     <p:spTree>
@@ -6595,7 +6729,7 @@
 </p:sld>
 </file>
 
-<file path=ppt/slides/slide16.xml><?xml version="1.0" encoding="utf-8"?>
+<file path=ppt/slides/slide17.xml><?xml version="1.0" encoding="utf-8"?>
 <p:sld xmlns:a="http://schemas.openxmlformats.org/drawingml/2006/main" xmlns:r="http://schemas.openxmlformats.org/officeDocument/2006/relationships" xmlns:p="http://schemas.openxmlformats.org/presentationml/2006/main">
   <p:cSld>
     <p:spTree>
@@ -6726,7 +6860,7 @@
 </p:sld>
 </file>
 
-<file path=ppt/slides/slide17.xml><?xml version="1.0" encoding="utf-8"?>
+<file path=ppt/slides/slide18.xml><?xml version="1.0" encoding="utf-8"?>
 <p:sld xmlns:a="http://schemas.openxmlformats.org/drawingml/2006/main" xmlns:r="http://schemas.openxmlformats.org/officeDocument/2006/relationships" xmlns:p="http://schemas.openxmlformats.org/presentationml/2006/main">
   <p:cSld>
     <p:spTree>
@@ -6855,7 +6989,7 @@
 </p:sld>
 </file>
 
-<file path=ppt/slides/slide18.xml><?xml version="1.0" encoding="utf-8"?>
+<file path=ppt/slides/slide19.xml><?xml version="1.0" encoding="utf-8"?>
 <p:sld xmlns:a="http://schemas.openxmlformats.org/drawingml/2006/main" xmlns:r="http://schemas.openxmlformats.org/officeDocument/2006/relationships" xmlns:p="http://schemas.openxmlformats.org/presentationml/2006/main">
   <p:cSld>
     <p:spTree>
@@ -7094,6 +7228,181 @@
 </file>
 
 <file path=ppt/slides/slide3.xml><?xml version="1.0" encoding="utf-8"?>
+<p:sld xmlns:a="http://schemas.openxmlformats.org/drawingml/2006/main" xmlns:r="http://schemas.openxmlformats.org/officeDocument/2006/relationships" xmlns:p="http://schemas.openxmlformats.org/presentationml/2006/main">
+  <p:cSld>
+    <p:spTree>
+      <p:nvGrpSpPr>
+        <p:cNvPr id="1" name=""/>
+        <p:cNvGrpSpPr/>
+        <p:nvPr/>
+      </p:nvGrpSpPr>
+      <p:grpSpPr>
+        <a:xfrm>
+          <a:off x="0" y="0"/>
+          <a:ext cx="0" cy="0"/>
+          <a:chOff x="0" y="0"/>
+          <a:chExt cx="0" cy="0"/>
+        </a:xfrm>
+      </p:grpSpPr>
+      <p:sp>
+        <p:nvSpPr>
+          <p:cNvPr id="2" name="Title 1">
+            <a:extLst>
+              <a:ext uri="{FF2B5EF4-FFF2-40B4-BE49-F238E27FC236}">
+                <a16:creationId xmlns:a16="http://schemas.microsoft.com/office/drawing/2014/main" id="{655D879A-D970-47F3-8D28-8D5C545DC88F}"/>
+              </a:ext>
+            </a:extLst>
+          </p:cNvPr>
+          <p:cNvSpPr>
+            <a:spLocks noGrp="1"/>
+          </p:cNvSpPr>
+          <p:nvPr>
+            <p:ph type="title"/>
+          </p:nvPr>
+        </p:nvSpPr>
+        <p:spPr>
+          <a:xfrm>
+            <a:off x="527296" y="403639"/>
+            <a:ext cx="10353761" cy="1326321"/>
+          </a:xfrm>
+        </p:spPr>
+        <p:txBody>
+          <a:bodyPr/>
+          <a:lstStyle/>
+          <a:p>
+            <a:r>
+              <a:rPr lang="en-US" dirty="0"/>
+              <a:t>Expense Object and lookup</a:t>
+            </a:r>
+          </a:p>
+        </p:txBody>
+      </p:sp>
+      <p:pic>
+        <p:nvPicPr>
+          <p:cNvPr id="4" name="Picture 3">
+            <a:extLst>
+              <a:ext uri="{FF2B5EF4-FFF2-40B4-BE49-F238E27FC236}">
+                <a16:creationId xmlns:a16="http://schemas.microsoft.com/office/drawing/2014/main" id="{D6E56BF4-B0CE-4444-91DC-B862E0CDB8D2}"/>
+              </a:ext>
+            </a:extLst>
+          </p:cNvPr>
+          <p:cNvPicPr>
+            <a:picLocks noChangeAspect="1"/>
+          </p:cNvPicPr>
+          <p:nvPr/>
+        </p:nvPicPr>
+        <p:blipFill>
+          <a:blip r:embed="rId2"/>
+          <a:stretch>
+            <a:fillRect/>
+          </a:stretch>
+        </p:blipFill>
+        <p:spPr>
+          <a:xfrm>
+            <a:off x="527296" y="1412177"/>
+            <a:ext cx="10688542" cy="5315692"/>
+          </a:xfrm>
+          <a:prstGeom prst="rect">
+            <a:avLst/>
+          </a:prstGeom>
+        </p:spPr>
+      </p:pic>
+      <p:sp>
+        <p:nvSpPr>
+          <p:cNvPr id="7" name="Arrow: Right 6">
+            <a:extLst>
+              <a:ext uri="{FF2B5EF4-FFF2-40B4-BE49-F238E27FC236}">
+                <a16:creationId xmlns:a16="http://schemas.microsoft.com/office/drawing/2014/main" id="{27561E18-7097-44D4-A2BF-3A368815A3A5}"/>
+              </a:ext>
+            </a:extLst>
+          </p:cNvPr>
+          <p:cNvSpPr/>
+          <p:nvPr/>
+        </p:nvSpPr>
+        <p:spPr>
+          <a:xfrm>
+            <a:off x="6096000" y="5806912"/>
+            <a:ext cx="1225485" cy="150828"/>
+          </a:xfrm>
+          <a:prstGeom prst="rightArrow">
+            <a:avLst/>
+          </a:prstGeom>
+        </p:spPr>
+        <p:style>
+          <a:lnRef idx="2">
+            <a:schemeClr val="accent1">
+              <a:shade val="50000"/>
+            </a:schemeClr>
+          </a:lnRef>
+          <a:fillRef idx="1">
+            <a:schemeClr val="accent1"/>
+          </a:fillRef>
+          <a:effectRef idx="0">
+            <a:schemeClr val="accent1"/>
+          </a:effectRef>
+          <a:fontRef idx="minor">
+            <a:schemeClr val="lt1"/>
+          </a:fontRef>
+        </p:style>
+        <p:txBody>
+          <a:bodyPr rtlCol="0" anchor="ctr"/>
+          <a:lstStyle/>
+          <a:p>
+            <a:pPr algn="ctr"/>
+            <a:endParaRPr lang="en-US"/>
+          </a:p>
+        </p:txBody>
+      </p:sp>
+      <p:pic>
+        <p:nvPicPr>
+          <p:cNvPr id="5" name="Picture 4">
+            <a:extLst>
+              <a:ext uri="{FF2B5EF4-FFF2-40B4-BE49-F238E27FC236}">
+                <a16:creationId xmlns:a16="http://schemas.microsoft.com/office/drawing/2014/main" id="{4EC1C4E7-E2A0-4844-9869-4D92A606C5F5}"/>
+              </a:ext>
+            </a:extLst>
+          </p:cNvPr>
+          <p:cNvPicPr>
+            <a:picLocks noChangeAspect="1"/>
+          </p:cNvPicPr>
+          <p:nvPr/>
+        </p:nvPicPr>
+        <p:blipFill>
+          <a:blip r:embed="rId3">
+            <a:extLst>
+              <a:ext uri="{28A0092B-C50C-407E-A947-70E740481C1C}">
+                <a14:useLocalDpi xmlns:a14="http://schemas.microsoft.com/office/drawing/2010/main" val="0"/>
+              </a:ext>
+            </a:extLst>
+          </a:blip>
+          <a:stretch>
+            <a:fillRect/>
+          </a:stretch>
+        </p:blipFill>
+        <p:spPr>
+          <a:xfrm>
+            <a:off x="11140435" y="0"/>
+            <a:ext cx="1024772" cy="1024772"/>
+          </a:xfrm>
+          <a:prstGeom prst="rect">
+            <a:avLst/>
+          </a:prstGeom>
+        </p:spPr>
+      </p:pic>
+    </p:spTree>
+    <p:extLst>
+      <p:ext uri="{BB962C8B-B14F-4D97-AF65-F5344CB8AC3E}">
+        <p14:creationId xmlns:p14="http://schemas.microsoft.com/office/powerpoint/2010/main" val="3503387621"/>
+      </p:ext>
+    </p:extLst>
+  </p:cSld>
+  <p:clrMapOvr>
+    <a:masterClrMapping/>
+  </p:clrMapOvr>
+</p:sld>
+</file>
+
+<file path=ppt/slides/slide4.xml><?xml version="1.0" encoding="utf-8"?>
 <p:sld xmlns:a="http://schemas.openxmlformats.org/drawingml/2006/main" xmlns:r="http://schemas.openxmlformats.org/officeDocument/2006/relationships" xmlns:p="http://schemas.openxmlformats.org/presentationml/2006/main">
   <p:cSld>
     <p:spTree>
@@ -7158,7 +7467,7 @@
         </p:nvSpPr>
         <p:spPr>
           <a:xfrm>
-            <a:off x="1924334" y="218340"/>
+            <a:off x="1971468" y="812669"/>
             <a:ext cx="7126664" cy="424206"/>
           </a:xfrm>
         </p:spPr>
@@ -7227,7 +7536,7 @@
 </p:sld>
 </file>
 
-<file path=ppt/slides/slide4.xml><?xml version="1.0" encoding="utf-8"?>
+<file path=ppt/slides/slide5.xml><?xml version="1.0" encoding="utf-8"?>
 <p:sld xmlns:a="http://schemas.openxmlformats.org/drawingml/2006/main" xmlns:r="http://schemas.openxmlformats.org/officeDocument/2006/relationships" xmlns:p="http://schemas.openxmlformats.org/presentationml/2006/main">
   <p:cSld>
     <p:spTree>
@@ -7361,7 +7670,7 @@
 </p:sld>
 </file>
 
-<file path=ppt/slides/slide5.xml><?xml version="1.0" encoding="utf-8"?>
+<file path=ppt/slides/slide6.xml><?xml version="1.0" encoding="utf-8"?>
 <p:sld xmlns:a="http://schemas.openxmlformats.org/drawingml/2006/main" xmlns:r="http://schemas.openxmlformats.org/officeDocument/2006/relationships" xmlns:p="http://schemas.openxmlformats.org/presentationml/2006/main">
   <p:cSld>
     <p:spTree>
@@ -7490,7 +7799,7 @@
 </p:sld>
 </file>
 
-<file path=ppt/slides/slide6.xml><?xml version="1.0" encoding="utf-8"?>
+<file path=ppt/slides/slide7.xml><?xml version="1.0" encoding="utf-8"?>
 <p:sld xmlns:a="http://schemas.openxmlformats.org/drawingml/2006/main" xmlns:r="http://schemas.openxmlformats.org/officeDocument/2006/relationships" xmlns:p="http://schemas.openxmlformats.org/presentationml/2006/main">
   <p:cSld>
     <p:spTree>
@@ -7619,7 +7928,7 @@
 </p:sld>
 </file>
 
-<file path=ppt/slides/slide7.xml><?xml version="1.0" encoding="utf-8"?>
+<file path=ppt/slides/slide8.xml><?xml version="1.0" encoding="utf-8"?>
 <p:sld xmlns:a="http://schemas.openxmlformats.org/drawingml/2006/main" xmlns:r="http://schemas.openxmlformats.org/officeDocument/2006/relationships" xmlns:p="http://schemas.openxmlformats.org/presentationml/2006/main">
   <p:cSld>
     <p:spTree>
@@ -7721,7 +8030,7 @@
 </p:sld>
 </file>
 
-<file path=ppt/slides/slide8.xml><?xml version="1.0" encoding="utf-8"?>
+<file path=ppt/slides/slide9.xml><?xml version="1.0" encoding="utf-8"?>
 <p:sld xmlns:a="http://schemas.openxmlformats.org/drawingml/2006/main" xmlns:r="http://schemas.openxmlformats.org/officeDocument/2006/relationships" xmlns:p="http://schemas.openxmlformats.org/presentationml/2006/main">
   <p:cSld>
     <p:spTree>
@@ -7878,139 +8187,6 @@
     <p:extLst>
       <p:ext uri="{BB962C8B-B14F-4D97-AF65-F5344CB8AC3E}">
         <p14:creationId xmlns:p14="http://schemas.microsoft.com/office/powerpoint/2010/main" val="3517036690"/>
-      </p:ext>
-    </p:extLst>
-  </p:cSld>
-  <p:clrMapOvr>
-    <a:masterClrMapping/>
-  </p:clrMapOvr>
-</p:sld>
-</file>
-
-<file path=ppt/slides/slide9.xml><?xml version="1.0" encoding="utf-8"?>
-<p:sld xmlns:a="http://schemas.openxmlformats.org/drawingml/2006/main" xmlns:r="http://schemas.openxmlformats.org/officeDocument/2006/relationships" xmlns:p="http://schemas.openxmlformats.org/presentationml/2006/main">
-  <p:cSld>
-    <p:spTree>
-      <p:nvGrpSpPr>
-        <p:cNvPr id="1" name=""/>
-        <p:cNvGrpSpPr/>
-        <p:nvPr/>
-      </p:nvGrpSpPr>
-      <p:grpSpPr>
-        <a:xfrm>
-          <a:off x="0" y="0"/>
-          <a:ext cx="0" cy="0"/>
-          <a:chOff x="0" y="0"/>
-          <a:chExt cx="0" cy="0"/>
-        </a:xfrm>
-      </p:grpSpPr>
-      <p:sp>
-        <p:nvSpPr>
-          <p:cNvPr id="2" name="Title 1">
-            <a:extLst>
-              <a:ext uri="{FF2B5EF4-FFF2-40B4-BE49-F238E27FC236}">
-                <a16:creationId xmlns:a16="http://schemas.microsoft.com/office/drawing/2014/main" id="{C3C12B08-E70D-4B39-99FD-F1244CF90630}"/>
-              </a:ext>
-            </a:extLst>
-          </p:cNvPr>
-          <p:cNvSpPr>
-            <a:spLocks noGrp="1"/>
-          </p:cNvSpPr>
-          <p:nvPr>
-            <p:ph type="title"/>
-          </p:nvPr>
-        </p:nvSpPr>
-        <p:spPr>
-          <a:xfrm>
-            <a:off x="844968" y="146115"/>
-            <a:ext cx="10295468" cy="740005"/>
-          </a:xfrm>
-        </p:spPr>
-        <p:txBody>
-          <a:bodyPr/>
-          <a:lstStyle/>
-          <a:p>
-            <a:r>
-              <a:rPr lang="en-US" dirty="0" err="1"/>
-              <a:t>ProjectHelperTest</a:t>
-            </a:r>
-            <a:r>
-              <a:rPr lang="en-US" dirty="0"/>
-              <a:t> class</a:t>
-            </a:r>
-          </a:p>
-        </p:txBody>
-      </p:sp>
-      <p:pic>
-        <p:nvPicPr>
-          <p:cNvPr id="4" name="Picture 3">
-            <a:extLst>
-              <a:ext uri="{FF2B5EF4-FFF2-40B4-BE49-F238E27FC236}">
-                <a16:creationId xmlns:a16="http://schemas.microsoft.com/office/drawing/2014/main" id="{15CCA7A0-79FB-462D-9EFB-00F09C807BCE}"/>
-              </a:ext>
-            </a:extLst>
-          </p:cNvPr>
-          <p:cNvPicPr>
-            <a:picLocks noChangeAspect="1"/>
-          </p:cNvPicPr>
-          <p:nvPr/>
-        </p:nvPicPr>
-        <p:blipFill>
-          <a:blip r:embed="rId2"/>
-          <a:stretch>
-            <a:fillRect/>
-          </a:stretch>
-        </p:blipFill>
-        <p:spPr>
-          <a:xfrm>
-            <a:off x="547965" y="1065229"/>
-            <a:ext cx="10956638" cy="5646656"/>
-          </a:xfrm>
-          <a:prstGeom prst="rect">
-            <a:avLst/>
-          </a:prstGeom>
-        </p:spPr>
-      </p:pic>
-      <p:pic>
-        <p:nvPicPr>
-          <p:cNvPr id="6" name="Picture 5">
-            <a:extLst>
-              <a:ext uri="{FF2B5EF4-FFF2-40B4-BE49-F238E27FC236}">
-                <a16:creationId xmlns:a16="http://schemas.microsoft.com/office/drawing/2014/main" id="{21BBE4B9-1158-4BDF-96CD-C51AC20C50A8}"/>
-              </a:ext>
-            </a:extLst>
-          </p:cNvPr>
-          <p:cNvPicPr>
-            <a:picLocks noChangeAspect="1"/>
-          </p:cNvPicPr>
-          <p:nvPr/>
-        </p:nvPicPr>
-        <p:blipFill>
-          <a:blip r:embed="rId3">
-            <a:extLst>
-              <a:ext uri="{28A0092B-C50C-407E-A947-70E740481C1C}">
-                <a14:useLocalDpi xmlns:a14="http://schemas.microsoft.com/office/drawing/2010/main" val="0"/>
-              </a:ext>
-            </a:extLst>
-          </a:blip>
-          <a:stretch>
-            <a:fillRect/>
-          </a:stretch>
-        </p:blipFill>
-        <p:spPr>
-          <a:xfrm>
-            <a:off x="11140435" y="0"/>
-            <a:ext cx="1024772" cy="1024772"/>
-          </a:xfrm>
-          <a:prstGeom prst="rect">
-            <a:avLst/>
-          </a:prstGeom>
-        </p:spPr>
-      </p:pic>
-    </p:spTree>
-    <p:extLst>
-      <p:ext uri="{BB962C8B-B14F-4D97-AF65-F5344CB8AC3E}">
-        <p14:creationId xmlns:p14="http://schemas.microsoft.com/office/powerpoint/2010/main" val="2299877800"/>
       </p:ext>
     </p:extLst>
   </p:cSld>
